--- a/resources/分享PPT合集/决策树算法发展.pptx
+++ b/resources/分享PPT合集/决策树算法发展.pptx
@@ -5,10 +5,10 @@
     <p:sldMasterId id="2147483680" r:id="rId4"/>
   </p:sldMasterIdLst>
   <p:notesMasterIdLst>
-    <p:notesMasterId r:id="rId27"/>
+    <p:notesMasterId r:id="rId31"/>
   </p:notesMasterIdLst>
   <p:handoutMasterIdLst>
-    <p:handoutMasterId r:id="rId28"/>
+    <p:handoutMasterId r:id="rId32"/>
   </p:handoutMasterIdLst>
   <p:sldIdLst>
     <p:sldId id="256" r:id="rId5"/>
@@ -29,10 +29,14 @@
     <p:sldId id="290" r:id="rId20"/>
     <p:sldId id="266" r:id="rId21"/>
     <p:sldId id="267" r:id="rId22"/>
-    <p:sldId id="278" r:id="rId23"/>
-    <p:sldId id="275" r:id="rId24"/>
-    <p:sldId id="276" r:id="rId25"/>
-    <p:sldId id="272" r:id="rId26"/>
+    <p:sldId id="291" r:id="rId23"/>
+    <p:sldId id="292" r:id="rId24"/>
+    <p:sldId id="293" r:id="rId25"/>
+    <p:sldId id="294" r:id="rId26"/>
+    <p:sldId id="278" r:id="rId27"/>
+    <p:sldId id="275" r:id="rId28"/>
+    <p:sldId id="276" r:id="rId29"/>
+    <p:sldId id="272" r:id="rId30"/>
   </p:sldIdLst>
   <p:sldSz cx="12192000" cy="6858000"/>
   <p:notesSz cx="7023100" cy="9309100"/>
@@ -7322,7 +7326,7 @@
               <a:rPr lang="en-US" altLang="zh-CN" smtClean="0">
                 <a:ea typeface="Microsoft YaHei UI" panose="020B0503020204020204" pitchFamily="34" charset="-122"/>
               </a:rPr>
-              <a:t>3/3/2020</a:t>
+              <a:t>3/5/2020</a:t>
             </a:fld>
             <a:endParaRPr lang="zh-CN" dirty="0">
               <a:ea typeface="Microsoft YaHei UI" panose="020B0503020204020204" pitchFamily="34" charset="-122"/>
@@ -7500,7 +7504,7 @@
             <a:fld id="{DF2775BC-6312-42C7-B7C5-EA6783C2D9CA}" type="datetimeFigureOut">
               <a:rPr lang="en-US" altLang="zh-CN" smtClean="0"/>
               <a:pPr/>
-              <a:t>3/3/2020</a:t>
+              <a:t>3/5/2020</a:t>
             </a:fld>
             <a:endParaRPr lang="zh-CN" altLang="en-US" dirty="0"/>
           </a:p>
@@ -7856,6 +7860,342 @@
 </p:notes>
 </file>
 
+<file path=ppt/notesSlides/notesSlide2.xml><?xml version="1.0" encoding="utf-8"?>
+<p:notes xmlns:a="http://schemas.openxmlformats.org/drawingml/2006/main" xmlns:r="http://schemas.openxmlformats.org/officeDocument/2006/relationships" xmlns:p="http://schemas.openxmlformats.org/presentationml/2006/main">
+  <p:cSld>
+    <p:spTree>
+      <p:nvGrpSpPr>
+        <p:cNvPr id="1" name=""/>
+        <p:cNvGrpSpPr/>
+        <p:nvPr/>
+      </p:nvGrpSpPr>
+      <p:grpSpPr>
+        <a:xfrm>
+          <a:off x="0" y="0"/>
+          <a:ext cx="0" cy="0"/>
+          <a:chOff x="0" y="0"/>
+          <a:chExt cx="0" cy="0"/>
+        </a:xfrm>
+      </p:grpSpPr>
+      <p:sp>
+        <p:nvSpPr>
+          <p:cNvPr id="2" name="幻灯片图像占位符 1"/>
+          <p:cNvSpPr>
+            <a:spLocks noGrp="1" noRot="1" noChangeAspect="1"/>
+          </p:cNvSpPr>
+          <p:nvPr>
+            <p:ph type="sldImg"/>
+          </p:nvPr>
+        </p:nvSpPr>
+        <p:spPr/>
+      </p:sp>
+      <p:sp>
+        <p:nvSpPr>
+          <p:cNvPr id="3" name="备注占位符 2"/>
+          <p:cNvSpPr>
+            <a:spLocks noGrp="1"/>
+          </p:cNvSpPr>
+          <p:nvPr>
+            <p:ph type="body" idx="1"/>
+          </p:nvPr>
+        </p:nvSpPr>
+        <p:spPr/>
+        <p:txBody>
+          <a:bodyPr/>
+          <a:lstStyle/>
+          <a:p>
+            <a:endParaRPr lang="zh-CN" dirty="0"/>
+          </a:p>
+        </p:txBody>
+      </p:sp>
+      <p:sp>
+        <p:nvSpPr>
+          <p:cNvPr id="4" name="幻灯片编号占位符 3"/>
+          <p:cNvSpPr>
+            <a:spLocks noGrp="1"/>
+          </p:cNvSpPr>
+          <p:nvPr>
+            <p:ph type="sldNum" sz="quarter" idx="10"/>
+          </p:nvPr>
+        </p:nvSpPr>
+        <p:spPr/>
+        <p:txBody>
+          <a:bodyPr/>
+          <a:lstStyle/>
+          <a:p>
+            <a:fld id="{67F715A1-4ADC-44E0-9587-804FF39D6B22}" type="slidenum">
+              <a:rPr lang="en-US" altLang="zh-CN" smtClean="0"/>
+              <a:t>19</a:t>
+            </a:fld>
+            <a:endParaRPr lang="zh-CN"/>
+          </a:p>
+        </p:txBody>
+      </p:sp>
+    </p:spTree>
+    <p:extLst>
+      <p:ext uri="{BB962C8B-B14F-4D97-AF65-F5344CB8AC3E}">
+        <p14:creationId xmlns:p14="http://schemas.microsoft.com/office/powerpoint/2010/main" val="3034911292"/>
+      </p:ext>
+    </p:extLst>
+  </p:cSld>
+  <p:clrMapOvr>
+    <a:masterClrMapping/>
+  </p:clrMapOvr>
+</p:notes>
+</file>
+
+<file path=ppt/notesSlides/notesSlide3.xml><?xml version="1.0" encoding="utf-8"?>
+<p:notes xmlns:a="http://schemas.openxmlformats.org/drawingml/2006/main" xmlns:r="http://schemas.openxmlformats.org/officeDocument/2006/relationships" xmlns:p="http://schemas.openxmlformats.org/presentationml/2006/main">
+  <p:cSld>
+    <p:spTree>
+      <p:nvGrpSpPr>
+        <p:cNvPr id="1" name=""/>
+        <p:cNvGrpSpPr/>
+        <p:nvPr/>
+      </p:nvGrpSpPr>
+      <p:grpSpPr>
+        <a:xfrm>
+          <a:off x="0" y="0"/>
+          <a:ext cx="0" cy="0"/>
+          <a:chOff x="0" y="0"/>
+          <a:chExt cx="0" cy="0"/>
+        </a:xfrm>
+      </p:grpSpPr>
+      <p:sp>
+        <p:nvSpPr>
+          <p:cNvPr id="2" name="幻灯片图像占位符 1"/>
+          <p:cNvSpPr>
+            <a:spLocks noGrp="1" noRot="1" noChangeAspect="1"/>
+          </p:cNvSpPr>
+          <p:nvPr>
+            <p:ph type="sldImg"/>
+          </p:nvPr>
+        </p:nvSpPr>
+        <p:spPr/>
+      </p:sp>
+      <p:sp>
+        <p:nvSpPr>
+          <p:cNvPr id="3" name="备注占位符 2"/>
+          <p:cNvSpPr>
+            <a:spLocks noGrp="1"/>
+          </p:cNvSpPr>
+          <p:nvPr>
+            <p:ph type="body" idx="1"/>
+          </p:nvPr>
+        </p:nvSpPr>
+        <p:spPr/>
+        <p:txBody>
+          <a:bodyPr/>
+          <a:lstStyle/>
+          <a:p>
+            <a:endParaRPr lang="zh-CN" dirty="0"/>
+          </a:p>
+        </p:txBody>
+      </p:sp>
+      <p:sp>
+        <p:nvSpPr>
+          <p:cNvPr id="4" name="幻灯片编号占位符 3"/>
+          <p:cNvSpPr>
+            <a:spLocks noGrp="1"/>
+          </p:cNvSpPr>
+          <p:nvPr>
+            <p:ph type="sldNum" sz="quarter" idx="10"/>
+          </p:nvPr>
+        </p:nvSpPr>
+        <p:spPr/>
+        <p:txBody>
+          <a:bodyPr/>
+          <a:lstStyle/>
+          <a:p>
+            <a:fld id="{67F715A1-4ADC-44E0-9587-804FF39D6B22}" type="slidenum">
+              <a:rPr lang="en-US" altLang="zh-CN" smtClean="0"/>
+              <a:t>20</a:t>
+            </a:fld>
+            <a:endParaRPr lang="zh-CN"/>
+          </a:p>
+        </p:txBody>
+      </p:sp>
+    </p:spTree>
+    <p:extLst>
+      <p:ext uri="{BB962C8B-B14F-4D97-AF65-F5344CB8AC3E}">
+        <p14:creationId xmlns:p14="http://schemas.microsoft.com/office/powerpoint/2010/main" val="1431393322"/>
+      </p:ext>
+    </p:extLst>
+  </p:cSld>
+  <p:clrMapOvr>
+    <a:masterClrMapping/>
+  </p:clrMapOvr>
+</p:notes>
+</file>
+
+<file path=ppt/notesSlides/notesSlide4.xml><?xml version="1.0" encoding="utf-8"?>
+<p:notes xmlns:a="http://schemas.openxmlformats.org/drawingml/2006/main" xmlns:r="http://schemas.openxmlformats.org/officeDocument/2006/relationships" xmlns:p="http://schemas.openxmlformats.org/presentationml/2006/main">
+  <p:cSld>
+    <p:spTree>
+      <p:nvGrpSpPr>
+        <p:cNvPr id="1" name=""/>
+        <p:cNvGrpSpPr/>
+        <p:nvPr/>
+      </p:nvGrpSpPr>
+      <p:grpSpPr>
+        <a:xfrm>
+          <a:off x="0" y="0"/>
+          <a:ext cx="0" cy="0"/>
+          <a:chOff x="0" y="0"/>
+          <a:chExt cx="0" cy="0"/>
+        </a:xfrm>
+      </p:grpSpPr>
+      <p:sp>
+        <p:nvSpPr>
+          <p:cNvPr id="2" name="幻灯片图像占位符 1"/>
+          <p:cNvSpPr>
+            <a:spLocks noGrp="1" noRot="1" noChangeAspect="1"/>
+          </p:cNvSpPr>
+          <p:nvPr>
+            <p:ph type="sldImg"/>
+          </p:nvPr>
+        </p:nvSpPr>
+        <p:spPr/>
+      </p:sp>
+      <p:sp>
+        <p:nvSpPr>
+          <p:cNvPr id="3" name="备注占位符 2"/>
+          <p:cNvSpPr>
+            <a:spLocks noGrp="1"/>
+          </p:cNvSpPr>
+          <p:nvPr>
+            <p:ph type="body" idx="1"/>
+          </p:nvPr>
+        </p:nvSpPr>
+        <p:spPr/>
+        <p:txBody>
+          <a:bodyPr/>
+          <a:lstStyle/>
+          <a:p>
+            <a:endParaRPr lang="zh-CN" dirty="0"/>
+          </a:p>
+        </p:txBody>
+      </p:sp>
+      <p:sp>
+        <p:nvSpPr>
+          <p:cNvPr id="4" name="幻灯片编号占位符 3"/>
+          <p:cNvSpPr>
+            <a:spLocks noGrp="1"/>
+          </p:cNvSpPr>
+          <p:nvPr>
+            <p:ph type="sldNum" sz="quarter" idx="10"/>
+          </p:nvPr>
+        </p:nvSpPr>
+        <p:spPr/>
+        <p:txBody>
+          <a:bodyPr/>
+          <a:lstStyle/>
+          <a:p>
+            <a:fld id="{67F715A1-4ADC-44E0-9587-804FF39D6B22}" type="slidenum">
+              <a:rPr lang="en-US" altLang="zh-CN" smtClean="0"/>
+              <a:t>21</a:t>
+            </a:fld>
+            <a:endParaRPr lang="zh-CN"/>
+          </a:p>
+        </p:txBody>
+      </p:sp>
+    </p:spTree>
+    <p:extLst>
+      <p:ext uri="{BB962C8B-B14F-4D97-AF65-F5344CB8AC3E}">
+        <p14:creationId xmlns:p14="http://schemas.microsoft.com/office/powerpoint/2010/main" val="3815008325"/>
+      </p:ext>
+    </p:extLst>
+  </p:cSld>
+  <p:clrMapOvr>
+    <a:masterClrMapping/>
+  </p:clrMapOvr>
+</p:notes>
+</file>
+
+<file path=ppt/notesSlides/notesSlide5.xml><?xml version="1.0" encoding="utf-8"?>
+<p:notes xmlns:a="http://schemas.openxmlformats.org/drawingml/2006/main" xmlns:r="http://schemas.openxmlformats.org/officeDocument/2006/relationships" xmlns:p="http://schemas.openxmlformats.org/presentationml/2006/main">
+  <p:cSld>
+    <p:spTree>
+      <p:nvGrpSpPr>
+        <p:cNvPr id="1" name=""/>
+        <p:cNvGrpSpPr/>
+        <p:nvPr/>
+      </p:nvGrpSpPr>
+      <p:grpSpPr>
+        <a:xfrm>
+          <a:off x="0" y="0"/>
+          <a:ext cx="0" cy="0"/>
+          <a:chOff x="0" y="0"/>
+          <a:chExt cx="0" cy="0"/>
+        </a:xfrm>
+      </p:grpSpPr>
+      <p:sp>
+        <p:nvSpPr>
+          <p:cNvPr id="2" name="幻灯片图像占位符 1"/>
+          <p:cNvSpPr>
+            <a:spLocks noGrp="1" noRot="1" noChangeAspect="1"/>
+          </p:cNvSpPr>
+          <p:nvPr>
+            <p:ph type="sldImg"/>
+          </p:nvPr>
+        </p:nvSpPr>
+        <p:spPr/>
+      </p:sp>
+      <p:sp>
+        <p:nvSpPr>
+          <p:cNvPr id="3" name="备注占位符 2"/>
+          <p:cNvSpPr>
+            <a:spLocks noGrp="1"/>
+          </p:cNvSpPr>
+          <p:nvPr>
+            <p:ph type="body" idx="1"/>
+          </p:nvPr>
+        </p:nvSpPr>
+        <p:spPr/>
+        <p:txBody>
+          <a:bodyPr/>
+          <a:lstStyle/>
+          <a:p>
+            <a:endParaRPr lang="zh-CN" dirty="0"/>
+          </a:p>
+        </p:txBody>
+      </p:sp>
+      <p:sp>
+        <p:nvSpPr>
+          <p:cNvPr id="4" name="幻灯片编号占位符 3"/>
+          <p:cNvSpPr>
+            <a:spLocks noGrp="1"/>
+          </p:cNvSpPr>
+          <p:nvPr>
+            <p:ph type="sldNum" sz="quarter" idx="10"/>
+          </p:nvPr>
+        </p:nvSpPr>
+        <p:spPr/>
+        <p:txBody>
+          <a:bodyPr/>
+          <a:lstStyle/>
+          <a:p>
+            <a:fld id="{67F715A1-4ADC-44E0-9587-804FF39D6B22}" type="slidenum">
+              <a:rPr lang="en-US" altLang="zh-CN" smtClean="0"/>
+              <a:t>22</a:t>
+            </a:fld>
+            <a:endParaRPr lang="zh-CN"/>
+          </a:p>
+        </p:txBody>
+      </p:sp>
+    </p:spTree>
+    <p:extLst>
+      <p:ext uri="{BB962C8B-B14F-4D97-AF65-F5344CB8AC3E}">
+        <p14:creationId xmlns:p14="http://schemas.microsoft.com/office/powerpoint/2010/main" val="1357807903"/>
+      </p:ext>
+    </p:extLst>
+  </p:cSld>
+  <p:clrMapOvr>
+    <a:masterClrMapping/>
+  </p:clrMapOvr>
+</p:notes>
+</file>
+
 <file path=ppt/slideLayouts/slideLayout1.xml><?xml version="1.0" encoding="utf-8"?>
 <p:sldLayout xmlns:a="http://schemas.openxmlformats.org/drawingml/2006/main" xmlns:r="http://schemas.openxmlformats.org/officeDocument/2006/relationships" xmlns:p="http://schemas.openxmlformats.org/presentationml/2006/main" type="title" preserve="1">
   <p:cSld name="标题幻灯片">
@@ -8038,7 +8378,7 @@
           <a:lstStyle/>
           <a:p>
             <a:fld id="{40FF0622-75E4-48B8-A617-5428CA5926CE}" type="datetimeFigureOut">
-              <a:t>2020/3/3</a:t>
+              <a:t>2020/3/5</a:t>
             </a:fld>
             <a:endParaRPr lang="zh-CN"/>
           </a:p>
@@ -8311,7 +8651,7 @@
           <a:lstStyle/>
           <a:p>
             <a:fld id="{40FF0622-75E4-48B8-A617-5428CA5926CE}" type="datetimeFigureOut">
-              <a:t>2020/3/3</a:t>
+              <a:t>2020/3/5</a:t>
             </a:fld>
             <a:endParaRPr lang="zh-CN"/>
           </a:p>
@@ -8436,7 +8776,7 @@
           <a:lstStyle/>
           <a:p>
             <a:fld id="{40FF0622-75E4-48B8-A617-5428CA5926CE}" type="datetimeFigureOut">
-              <a:t>2020/3/3</a:t>
+              <a:t>2020/3/5</a:t>
             </a:fld>
             <a:endParaRPr lang="zh-CN"/>
           </a:p>
@@ -8628,7 +8968,7 @@
           <a:lstStyle/>
           <a:p>
             <a:fld id="{40FF0622-75E4-48B8-A617-5428CA5926CE}" type="datetimeFigureOut">
-              <a:t>2020/3/3</a:t>
+              <a:t>2020/3/5</a:t>
             </a:fld>
             <a:endParaRPr lang="zh-CN"/>
           </a:p>
@@ -9103,7 +9443,7 @@
           <a:lstStyle/>
           <a:p>
             <a:fld id="{40FF0622-75E4-48B8-A617-5428CA5926CE}" type="datetimeFigureOut">
-              <a:t>2020/3/3</a:t>
+              <a:t>2020/3/5</a:t>
             </a:fld>
             <a:endParaRPr lang="zh-CN"/>
           </a:p>
@@ -9228,7 +9568,7 @@
           <a:lstStyle/>
           <a:p>
             <a:fld id="{40FF0622-75E4-48B8-A617-5428CA5926CE}" type="datetimeFigureOut">
-              <a:t>2020/3/3</a:t>
+              <a:t>2020/3/5</a:t>
             </a:fld>
             <a:endParaRPr lang="zh-CN"/>
           </a:p>
@@ -9519,7 +9859,7 @@
           <a:lstStyle/>
           <a:p>
             <a:fld id="{40FF0622-75E4-48B8-A617-5428CA5926CE}" type="datetimeFigureOut">
-              <a:t>2020/3/3</a:t>
+              <a:t>2020/3/5</a:t>
             </a:fld>
             <a:endParaRPr lang="zh-CN"/>
           </a:p>
@@ -10268,7 +10608,7 @@
           <a:lstStyle/>
           <a:p>
             <a:fld id="{40FF0622-75E4-48B8-A617-5428CA5926CE}" type="datetimeFigureOut">
-              <a:t>2020/3/3</a:t>
+              <a:t>2020/3/5</a:t>
             </a:fld>
             <a:endParaRPr lang="zh-CN"/>
           </a:p>
@@ -11113,7 +11453,7 @@
           <a:lstStyle/>
           <a:p>
             <a:fld id="{40FF0622-75E4-48B8-A617-5428CA5926CE}" type="datetimeFigureOut">
-              <a:t>2020/3/3</a:t>
+              <a:t>2020/3/5</a:t>
             </a:fld>
             <a:endParaRPr lang="zh-CN"/>
           </a:p>
@@ -11281,7 +11621,7 @@
           <a:lstStyle/>
           <a:p>
             <a:fld id="{40FF0622-75E4-48B8-A617-5428CA5926CE}" type="datetimeFigureOut">
-              <a:t>2020/3/3</a:t>
+              <a:t>2020/3/5</a:t>
             </a:fld>
             <a:endParaRPr lang="zh-CN"/>
           </a:p>
@@ -11459,7 +11799,7 @@
           <a:lstStyle/>
           <a:p>
             <a:fld id="{40FF0622-75E4-48B8-A617-5428CA5926CE}" type="datetimeFigureOut">
-              <a:t>2020/3/3</a:t>
+              <a:t>2020/3/5</a:t>
             </a:fld>
             <a:endParaRPr lang="zh-CN" dirty="0"/>
           </a:p>
@@ -11627,7 +11967,7 @@
           <a:lstStyle/>
           <a:p>
             <a:fld id="{40FF0622-75E4-48B8-A617-5428CA5926CE}" type="datetimeFigureOut">
-              <a:t>2020/3/3</a:t>
+              <a:t>2020/3/5</a:t>
             </a:fld>
             <a:endParaRPr lang="zh-CN"/>
           </a:p>
@@ -11869,7 +12209,7 @@
           <a:lstStyle/>
           <a:p>
             <a:fld id="{40FF0622-75E4-48B8-A617-5428CA5926CE}" type="datetimeFigureOut">
-              <a:t>2020/3/3</a:t>
+              <a:t>2020/3/5</a:t>
             </a:fld>
             <a:endParaRPr lang="zh-CN"/>
           </a:p>
@@ -12159,7 +12499,7 @@
           <a:lstStyle/>
           <a:p>
             <a:fld id="{40FF0622-75E4-48B8-A617-5428CA5926CE}" type="datetimeFigureOut">
-              <a:t>2020/3/3</a:t>
+              <a:t>2020/3/5</a:t>
             </a:fld>
             <a:endParaRPr lang="zh-CN"/>
           </a:p>
@@ -12595,7 +12935,7 @@
           <a:lstStyle/>
           <a:p>
             <a:fld id="{40FF0622-75E4-48B8-A617-5428CA5926CE}" type="datetimeFigureOut">
-              <a:t>2020/3/3</a:t>
+              <a:t>2020/3/5</a:t>
             </a:fld>
             <a:endParaRPr lang="zh-CN"/>
           </a:p>
@@ -12711,7 +13051,7 @@
           <a:lstStyle/>
           <a:p>
             <a:fld id="{40FF0622-75E4-48B8-A617-5428CA5926CE}" type="datetimeFigureOut">
-              <a:t>2020/3/3</a:t>
+              <a:t>2020/3/5</a:t>
             </a:fld>
             <a:endParaRPr lang="zh-CN"/>
           </a:p>
@@ -12804,7 +13144,7 @@
           <a:lstStyle/>
           <a:p>
             <a:fld id="{40FF0622-75E4-48B8-A617-5428CA5926CE}" type="datetimeFigureOut">
-              <a:t>2020/3/3</a:t>
+              <a:t>2020/3/5</a:t>
             </a:fld>
             <a:endParaRPr lang="zh-CN"/>
           </a:p>
@@ -13081,7 +13421,7 @@
           <a:lstStyle/>
           <a:p>
             <a:fld id="{40FF0622-75E4-48B8-A617-5428CA5926CE}" type="datetimeFigureOut">
-              <a:t>2020/3/3</a:t>
+              <a:t>2020/3/5</a:t>
             </a:fld>
             <a:endParaRPr lang="zh-CN"/>
           </a:p>
@@ -13354,7 +13694,7 @@
           <a:lstStyle/>
           <a:p>
             <a:fld id="{40FF0622-75E4-48B8-A617-5428CA5926CE}" type="datetimeFigureOut">
-              <a:t>2020/3/3</a:t>
+              <a:t>2020/3/5</a:t>
             </a:fld>
             <a:endParaRPr lang="zh-CN"/>
           </a:p>
@@ -13978,7 +14318,7 @@
             <a:fld id="{40FF0622-75E4-48B8-A617-5428CA5926CE}" type="datetimeFigureOut">
               <a:rPr lang="en-US" altLang="zh-CN" smtClean="0"/>
               <a:pPr/>
-              <a:t>3/3/2020</a:t>
+              <a:t>3/5/2020</a:t>
             </a:fld>
             <a:endParaRPr lang="zh-CN" altLang="en-US" dirty="0"/>
           </a:p>
@@ -14649,16 +14989,12 @@
           <a:lstStyle/>
           <a:p>
             <a:r>
-              <a:rPr lang="en-US" altLang="zh-CN" dirty="0" err="1"/>
-              <a:t>CARTClassification</a:t>
-            </a:r>
-            <a:r>
               <a:rPr lang="en-US" altLang="zh-CN" dirty="0"/>
-              <a:t> and Regression Tree</a:t>
+              <a:t>CART(Classification and Regression Tree)</a:t>
             </a:r>
             <a:r>
               <a:rPr lang="zh-CN" altLang="en-US" dirty="0"/>
-              <a:t>（）采用二叉树，既可以处理连续的数据也可以是离散的数据</a:t>
+              <a:t> 采用二叉树，既可以处理连续的数据也可以是离散的数据</a:t>
             </a:r>
             <a:endParaRPr lang="en-US" altLang="zh-CN" dirty="0"/>
           </a:p>
@@ -15557,28 +15893,28 @@
             <a:pPr lvl="1"/>
             <a:r>
               <a:rPr lang="zh-CN" altLang="en-US" dirty="0"/>
-              <a:t>随机选择样本（放回抽样）；</a:t>
+              <a:t>随机选择样本（放回抽样）</a:t>
             </a:r>
           </a:p>
           <a:p>
             <a:pPr lvl="1"/>
             <a:r>
               <a:rPr lang="zh-CN" altLang="en-US" dirty="0"/>
-              <a:t>随机选择特征；</a:t>
+              <a:t>随机选择特征</a:t>
             </a:r>
           </a:p>
           <a:p>
             <a:pPr lvl="1"/>
             <a:r>
               <a:rPr lang="zh-CN" altLang="en-US" dirty="0"/>
-              <a:t>构建决策树；</a:t>
+              <a:t>构建决策树</a:t>
             </a:r>
           </a:p>
           <a:p>
             <a:pPr lvl="1"/>
             <a:r>
               <a:rPr lang="zh-CN" altLang="en-US" dirty="0"/>
-              <a:t>随机森林投票（平均）。</a:t>
+              <a:t>随机森林投票（平均）</a:t>
             </a:r>
           </a:p>
           <a:p>
@@ -15604,13 +15940,8 @@
             <a:pPr lvl="1"/>
             <a:r>
               <a:rPr lang="zh-CN" altLang="en-US" dirty="0"/>
-              <a:t>易于并行化，在大数据集上有很大的优势；</a:t>
-            </a:r>
-            <a:r>
-              <a:rPr lang="en-US" altLang="zh-CN" dirty="0"/>
-              <a:t>	</a:t>
-            </a:r>
-            <a:endParaRPr lang="zh-CN" altLang="en-US" dirty="0"/>
+              <a:t>易于并行化，在大数据集上有很大的优势</a:t>
+            </a:r>
           </a:p>
           <a:p>
             <a:pPr lvl="1"/>
@@ -16188,16 +16519,18 @@
         <p:spPr>
           <a:xfrm>
             <a:off x="1104293" y="1461790"/>
-            <a:ext cx="8946541" cy="4195481"/>
+            <a:ext cx="8946541" cy="4671155"/>
           </a:xfrm>
         </p:spPr>
         <p:txBody>
-          <a:bodyPr/>
+          <a:bodyPr>
+            <a:normAutofit/>
+          </a:bodyPr>
           <a:lstStyle/>
           <a:p>
             <a:r>
               <a:rPr lang="zh-CN" altLang="en-US" dirty="0"/>
-              <a:t>目标函数：</a:t>
+              <a:t>目标函数（泰勒二阶展开）</a:t>
             </a:r>
             <a:endParaRPr lang="en-US" altLang="zh-CN" dirty="0"/>
           </a:p>
@@ -16218,25 +16551,55 @@
             <a:endParaRPr lang="en-US" altLang="zh-CN" dirty="0"/>
           </a:p>
           <a:p>
-            <a:r>
-              <a:rPr lang="zh-CN" altLang="en-US" b="1" dirty="0"/>
-              <a:t>最优切分点划分算法</a:t>
-            </a:r>
             <a:endParaRPr lang="en-US" altLang="zh-CN" b="1" dirty="0"/>
           </a:p>
           <a:p>
+            <a:endParaRPr lang="en-US" altLang="zh-CN" b="1" dirty="0"/>
+          </a:p>
+          <a:p>
+            <a:r>
+              <a:rPr lang="zh-CN" altLang="en-US" dirty="0"/>
+              <a:t>为什么使泰勒二阶展开</a:t>
+            </a:r>
+            <a:endParaRPr lang="en-US" altLang="zh-CN" dirty="0"/>
+          </a:p>
+          <a:p>
             <a:pPr lvl="1"/>
             <a:r>
+              <a:rPr lang="zh-CN" altLang="en-US" dirty="0"/>
+              <a:t>让梯度收敛的更精准更快，因为一阶指引梯度方向，二阶指引梯度如何变化</a:t>
+            </a:r>
+            <a:endParaRPr lang="en-US" altLang="zh-CN" dirty="0"/>
+          </a:p>
+          <a:p>
+            <a:pPr lvl="1"/>
+            <a:r>
               <a:rPr lang="zh-CN" altLang="en-US" sz="1600" dirty="0"/>
-              <a:t>贪心算法</a:t>
-            </a:r>
-            <a:endParaRPr lang="en-US" altLang="zh-CN" sz="1600" dirty="0"/>
-          </a:p>
-          <a:p>
-            <a:pPr lvl="1"/>
+              <a:t>统一损失函数，支持自定义损失函数，</a:t>
+            </a:r>
+            <a:r>
+              <a:rPr lang="en-US" altLang="zh-CN" sz="1600" dirty="0"/>
+              <a:t>MSE</a:t>
+            </a:r>
             <a:r>
               <a:rPr lang="zh-CN" altLang="en-US" sz="1600" dirty="0"/>
-              <a:t>近似算法</a:t>
+              <a:t>展开是一阶</a:t>
+            </a:r>
+            <a:r>
+              <a:rPr lang="en-US" altLang="zh-CN" sz="1600" dirty="0"/>
+              <a:t>+</a:t>
+            </a:r>
+            <a:r>
+              <a:rPr lang="zh-CN" altLang="en-US" sz="1600" dirty="0"/>
+              <a:t>二阶形式，而像</a:t>
+            </a:r>
+            <a:r>
+              <a:rPr lang="en-US" altLang="zh-CN" sz="1600" dirty="0" err="1"/>
+              <a:t>logloss</a:t>
+            </a:r>
+            <a:r>
+              <a:rPr lang="zh-CN" altLang="en-US" sz="1600" dirty="0"/>
+              <a:t>则没有这种形式，所以是为了统一这种形式。</a:t>
             </a:r>
             <a:endParaRPr lang="en-US" altLang="zh-CN" sz="1600" dirty="0"/>
           </a:p>
@@ -16272,7 +16635,7 @@
         </p:blipFill>
         <p:spPr>
           <a:xfrm>
-            <a:off x="550202" y="1997499"/>
+            <a:off x="906629" y="2047396"/>
             <a:ext cx="3772227" cy="1295512"/>
           </a:xfrm>
           <a:prstGeom prst="rect">
@@ -16302,8 +16665,38 @@
         </p:blipFill>
         <p:spPr>
           <a:xfrm>
-            <a:off x="4678856" y="452718"/>
+            <a:off x="5183933" y="452718"/>
             <a:ext cx="6584251" cy="3520745"/>
+          </a:xfrm>
+          <a:prstGeom prst="rect">
+            <a:avLst/>
+          </a:prstGeom>
+        </p:spPr>
+      </p:pic>
+      <p:pic>
+        <p:nvPicPr>
+          <p:cNvPr id="3" name="图片 2">
+            <a:extLst>
+              <a:ext uri="{FF2B5EF4-FFF2-40B4-BE49-F238E27FC236}">
+                <a16:creationId xmlns:a16="http://schemas.microsoft.com/office/drawing/2014/main" id="{FAAC5F22-7ECD-4A23-A615-D412E1ACB9E9}"/>
+              </a:ext>
+            </a:extLst>
+          </p:cNvPr>
+          <p:cNvPicPr>
+            <a:picLocks noChangeAspect="1"/>
+          </p:cNvPicPr>
+          <p:nvPr/>
+        </p:nvPicPr>
+        <p:blipFill>
+          <a:blip r:embed="rId5"/>
+          <a:stretch>
+            <a:fillRect/>
+          </a:stretch>
+        </p:blipFill>
+        <p:spPr>
+          <a:xfrm>
+            <a:off x="316027" y="3299862"/>
+            <a:ext cx="4953429" cy="685859"/>
           </a:xfrm>
           <a:prstGeom prst="rect">
             <a:avLst/>
@@ -16356,84 +16749,229 @@
           <a:lstStyle/>
           <a:p>
             <a:r>
-              <a:rPr lang="zh-CN"/>
-              <a:t>考核标准</a:t>
-            </a:r>
+              <a:rPr lang="en-US" altLang="zh-CN" dirty="0" err="1"/>
+              <a:t>XGBoost</a:t>
+            </a:r>
+            <a:endParaRPr lang="zh-CN" dirty="0"/>
           </a:p>
         </p:txBody>
       </p:sp>
       <p:sp>
         <p:nvSpPr>
-          <p:cNvPr id="3" name="内容占位符 2"/>
+          <p:cNvPr id="5" name="内容占位符 4">
+            <a:extLst>
+              <a:ext uri="{FF2B5EF4-FFF2-40B4-BE49-F238E27FC236}">
+                <a16:creationId xmlns:a16="http://schemas.microsoft.com/office/drawing/2014/main" id="{1773D36F-5738-4AC3-A95C-197BCCCFB810}"/>
+              </a:ext>
+            </a:extLst>
+          </p:cNvPr>
           <p:cNvSpPr>
             <a:spLocks noGrp="1"/>
           </p:cNvSpPr>
           <p:nvPr>
-            <p:ph sz="half" idx="1"/>
+            <p:ph idx="1"/>
           </p:nvPr>
         </p:nvSpPr>
-        <p:spPr/>
+        <p:spPr>
+          <a:xfrm>
+            <a:off x="1104293" y="1461790"/>
+            <a:ext cx="8946541" cy="4943492"/>
+          </a:xfrm>
+        </p:spPr>
         <p:txBody>
-          <a:bodyPr/>
+          <a:bodyPr>
+            <a:normAutofit/>
+          </a:bodyPr>
           <a:lstStyle/>
           <a:p>
             <a:r>
-              <a:rPr lang="zh-CN" dirty="0"/>
-              <a:t>周作业</a:t>
-            </a:r>
-          </a:p>
-          <a:p>
-            <a:r>
-              <a:rPr lang="zh-CN" dirty="0"/>
-              <a:t>项目</a:t>
-            </a:r>
-          </a:p>
-          <a:p>
-            <a:r>
-              <a:rPr lang="zh-CN" dirty="0"/>
-              <a:t>测验</a:t>
-            </a:r>
-          </a:p>
-          <a:p>
-            <a:r>
-              <a:rPr lang="zh-CN" dirty="0"/>
-              <a:t>期末考试</a:t>
-            </a:r>
-          </a:p>
-          <a:p>
-            <a:endParaRPr lang="zh-CN" dirty="0"/>
+              <a:rPr lang="zh-CN" altLang="en-US" b="1" dirty="0"/>
+              <a:t>最优切分点划分算法</a:t>
+            </a:r>
+            <a:endParaRPr lang="en-US" altLang="zh-CN" b="1" dirty="0"/>
+          </a:p>
+          <a:p>
+            <a:pPr lvl="1"/>
+            <a:r>
+              <a:rPr lang="zh-CN" altLang="en-US" b="1" dirty="0"/>
+              <a:t>贪心算法</a:t>
+            </a:r>
+            <a:endParaRPr lang="en-US" altLang="zh-CN" b="1" dirty="0"/>
+          </a:p>
+          <a:p>
+            <a:pPr lvl="2"/>
+            <a:r>
+              <a:rPr lang="zh-CN" altLang="en-US" dirty="0"/>
+              <a:t>分裂收益</a:t>
+            </a:r>
+            <a:endParaRPr lang="en-US" altLang="zh-CN" dirty="0"/>
+          </a:p>
+          <a:p>
+            <a:pPr lvl="2"/>
+            <a:r>
+              <a:rPr lang="zh-CN" altLang="en-US" dirty="0"/>
+              <a:t>特征收益也作为特征</a:t>
+            </a:r>
+            <a:endParaRPr lang="en-US" altLang="zh-CN" dirty="0"/>
+          </a:p>
+          <a:p>
+            <a:pPr lvl="2"/>
+            <a:r>
+              <a:rPr lang="zh-CN" altLang="en-US" dirty="0"/>
+              <a:t>重要性的依据</a:t>
+            </a:r>
+            <a:endParaRPr lang="en-US" altLang="zh-CN" dirty="0"/>
+          </a:p>
+          <a:p>
+            <a:pPr lvl="1"/>
+            <a:r>
+              <a:rPr lang="zh-CN" altLang="en-US" dirty="0"/>
+              <a:t>近似算法</a:t>
+            </a:r>
+            <a:endParaRPr lang="en-US" altLang="zh-CN" dirty="0"/>
+          </a:p>
+          <a:p>
+            <a:pPr lvl="2"/>
+            <a:r>
+              <a:rPr lang="zh-CN" altLang="en-US" dirty="0"/>
+              <a:t>根据特征分布的分位数提出候选划分点</a:t>
+            </a:r>
+            <a:endParaRPr lang="en-US" altLang="zh-CN" dirty="0"/>
+          </a:p>
+          <a:p>
+            <a:pPr lvl="2"/>
+            <a:r>
+              <a:rPr lang="zh-CN" altLang="en-US" dirty="0"/>
+              <a:t>将连续型特征映射到由这些候选点划分的桶中</a:t>
+            </a:r>
+            <a:endParaRPr lang="en-US" altLang="zh-CN" dirty="0"/>
+          </a:p>
+          <a:p>
+            <a:pPr lvl="2"/>
+            <a:r>
+              <a:rPr lang="zh-CN" altLang="en-US" dirty="0"/>
+              <a:t>聚合统计信息找到所有区间的最佳分裂点</a:t>
+            </a:r>
+            <a:endParaRPr lang="en-US" altLang="zh-CN" dirty="0"/>
+          </a:p>
+          <a:p>
+            <a:pPr lvl="1"/>
+            <a:endParaRPr lang="en-US" altLang="zh-CN" dirty="0"/>
+          </a:p>
+          <a:p>
+            <a:pPr lvl="1"/>
+            <a:endParaRPr lang="en-US" altLang="zh-CN" dirty="0"/>
+          </a:p>
+          <a:p>
+            <a:endParaRPr lang="en-US" altLang="zh-CN" b="1" dirty="0"/>
+          </a:p>
+          <a:p>
+            <a:endParaRPr lang="en-US" altLang="zh-CN" b="1" dirty="0"/>
+          </a:p>
+          <a:p>
+            <a:pPr lvl="1"/>
+            <a:endParaRPr lang="en-US" altLang="zh-CN" dirty="0"/>
+          </a:p>
+          <a:p>
+            <a:pPr lvl="1"/>
+            <a:endParaRPr lang="zh-CN" altLang="en-US" dirty="0"/>
           </a:p>
         </p:txBody>
       </p:sp>
-      <p:graphicFrame>
-        <p:nvGraphicFramePr>
-          <p:cNvPr id="9" name="内容占位符 8"/>
-          <p:cNvGraphicFramePr>
-            <a:graphicFrameLocks noGrp="1"/>
-          </p:cNvGraphicFramePr>
-          <p:nvPr>
-            <p:ph sz="half" idx="2"/>
-            <p:extLst>
-              <p:ext uri="{D42A27DB-BD31-4B8C-83A1-F6EECF244321}">
-                <p14:modId xmlns:p14="http://schemas.microsoft.com/office/powerpoint/2010/main" val="1389780192"/>
-              </p:ext>
-            </p:extLst>
-          </p:nvPr>
-        </p:nvGraphicFramePr>
-        <p:xfrm>
-          <a:off x="5654675" y="2055813"/>
-          <a:ext cx="4395788" cy="4200525"/>
-        </p:xfrm>
-        <a:graphic>
-          <a:graphicData uri="http://schemas.openxmlformats.org/drawingml/2006/chart">
-            <c:chart xmlns:c="http://schemas.openxmlformats.org/drawingml/2006/chart" xmlns:r="http://schemas.openxmlformats.org/officeDocument/2006/relationships" r:id="rId2"/>
-          </a:graphicData>
-        </a:graphic>
-      </p:graphicFrame>
+      <p:pic>
+        <p:nvPicPr>
+          <p:cNvPr id="9" name="图片 8">
+            <a:extLst>
+              <a:ext uri="{FF2B5EF4-FFF2-40B4-BE49-F238E27FC236}">
+                <a16:creationId xmlns:a16="http://schemas.microsoft.com/office/drawing/2014/main" id="{139C219E-C8DB-48E9-882B-BB2FA256294C}"/>
+              </a:ext>
+            </a:extLst>
+          </p:cNvPr>
+          <p:cNvPicPr>
+            <a:picLocks noChangeAspect="1"/>
+          </p:cNvPicPr>
+          <p:nvPr/>
+        </p:nvPicPr>
+        <p:blipFill>
+          <a:blip r:embed="rId3"/>
+          <a:stretch>
+            <a:fillRect/>
+          </a:stretch>
+        </p:blipFill>
+        <p:spPr>
+          <a:xfrm>
+            <a:off x="4458379" y="2362498"/>
+            <a:ext cx="4595258" cy="1013548"/>
+          </a:xfrm>
+          <a:prstGeom prst="rect">
+            <a:avLst/>
+          </a:prstGeom>
+        </p:spPr>
+      </p:pic>
+      <p:pic>
+        <p:nvPicPr>
+          <p:cNvPr id="10" name="图片 9">
+            <a:extLst>
+              <a:ext uri="{FF2B5EF4-FFF2-40B4-BE49-F238E27FC236}">
+                <a16:creationId xmlns:a16="http://schemas.microsoft.com/office/drawing/2014/main" id="{FD5DBA51-D78B-4006-9A6C-46CA6DF1E0D6}"/>
+              </a:ext>
+            </a:extLst>
+          </p:cNvPr>
+          <p:cNvPicPr>
+            <a:picLocks noChangeAspect="1"/>
+          </p:cNvPicPr>
+          <p:nvPr/>
+        </p:nvPicPr>
+        <p:blipFill>
+          <a:blip r:embed="rId4"/>
+          <a:stretch>
+            <a:fillRect/>
+          </a:stretch>
+        </p:blipFill>
+        <p:spPr>
+          <a:xfrm>
+            <a:off x="4458379" y="750326"/>
+            <a:ext cx="2979678" cy="845893"/>
+          </a:xfrm>
+          <a:prstGeom prst="rect">
+            <a:avLst/>
+          </a:prstGeom>
+        </p:spPr>
+      </p:pic>
+      <p:pic>
+        <p:nvPicPr>
+          <p:cNvPr id="11" name="图片 10">
+            <a:extLst>
+              <a:ext uri="{FF2B5EF4-FFF2-40B4-BE49-F238E27FC236}">
+                <a16:creationId xmlns:a16="http://schemas.microsoft.com/office/drawing/2014/main" id="{72D699B3-860E-4A5B-B164-FA4C60589734}"/>
+              </a:ext>
+            </a:extLst>
+          </p:cNvPr>
+          <p:cNvPicPr>
+            <a:picLocks noChangeAspect="1"/>
+          </p:cNvPicPr>
+          <p:nvPr/>
+        </p:nvPicPr>
+        <p:blipFill>
+          <a:blip r:embed="rId5"/>
+          <a:stretch>
+            <a:fillRect/>
+          </a:stretch>
+        </p:blipFill>
+        <p:spPr>
+          <a:xfrm>
+            <a:off x="4458379" y="1596219"/>
+            <a:ext cx="3368332" cy="762066"/>
+          </a:xfrm>
+          <a:prstGeom prst="rect">
+            <a:avLst/>
+          </a:prstGeom>
+        </p:spPr>
+      </p:pic>
     </p:spTree>
     <p:extLst>
       <p:ext uri="{BB962C8B-B14F-4D97-AF65-F5344CB8AC3E}">
-        <p14:creationId xmlns:p14="http://schemas.microsoft.com/office/powerpoint/2010/main" val="11674896"/>
+        <p14:creationId xmlns:p14="http://schemas.microsoft.com/office/powerpoint/2010/main" val="340017087"/>
       </p:ext>
     </p:extLst>
   </p:cSld>
@@ -16690,6 +17228,1128 @@
           <a:lstStyle/>
           <a:p>
             <a:r>
+              <a:rPr lang="en-US" altLang="zh-CN" dirty="0" err="1"/>
+              <a:t>XGBoost</a:t>
+            </a:r>
+            <a:endParaRPr lang="zh-CN" dirty="0"/>
+          </a:p>
+        </p:txBody>
+      </p:sp>
+      <p:sp>
+        <p:nvSpPr>
+          <p:cNvPr id="5" name="内容占位符 4">
+            <a:extLst>
+              <a:ext uri="{FF2B5EF4-FFF2-40B4-BE49-F238E27FC236}">
+                <a16:creationId xmlns:a16="http://schemas.microsoft.com/office/drawing/2014/main" id="{1773D36F-5738-4AC3-A95C-197BCCCFB810}"/>
+              </a:ext>
+            </a:extLst>
+          </p:cNvPr>
+          <p:cNvSpPr>
+            <a:spLocks noGrp="1"/>
+          </p:cNvSpPr>
+          <p:nvPr>
+            <p:ph idx="1"/>
+          </p:nvPr>
+        </p:nvSpPr>
+        <p:spPr>
+          <a:xfrm>
+            <a:off x="875201" y="1461790"/>
+            <a:ext cx="8946541" cy="4943492"/>
+          </a:xfrm>
+        </p:spPr>
+        <p:txBody>
+          <a:bodyPr>
+            <a:normAutofit/>
+          </a:bodyPr>
+          <a:lstStyle/>
+          <a:p>
+            <a:r>
+              <a:rPr lang="zh-CN" altLang="en-US" b="1" dirty="0"/>
+              <a:t>二阶梯度作为分位数依据</a:t>
+            </a:r>
+            <a:endParaRPr lang="en-US" altLang="zh-CN" b="1" dirty="0"/>
+          </a:p>
+          <a:p>
+            <a:r>
+              <a:rPr lang="zh-CN" altLang="en-US" dirty="0"/>
+              <a:t>为什么选择二阶梯度？</a:t>
+            </a:r>
+            <a:endParaRPr lang="en-US" altLang="zh-CN" dirty="0"/>
+          </a:p>
+          <a:p>
+            <a:pPr lvl="1"/>
+            <a:r>
+              <a:rPr lang="zh-CN" altLang="en-US" dirty="0"/>
+              <a:t>从</a:t>
+            </a:r>
+            <a:r>
+              <a:rPr lang="en-US" altLang="zh-CN" dirty="0"/>
+              <a:t>loss</a:t>
+            </a:r>
+            <a:r>
+              <a:rPr lang="zh-CN" altLang="en-US" dirty="0"/>
+              <a:t>中看，</a:t>
+            </a:r>
+            <a:r>
+              <a:rPr lang="en-US" altLang="zh-CN" dirty="0"/>
+              <a:t>hi</a:t>
+            </a:r>
+            <a:r>
+              <a:rPr lang="zh-CN" altLang="en-US" dirty="0"/>
+              <a:t>对</a:t>
+            </a:r>
+            <a:r>
+              <a:rPr lang="en-US" altLang="zh-CN" dirty="0"/>
+              <a:t>loss</a:t>
+            </a:r>
+            <a:r>
+              <a:rPr lang="zh-CN" altLang="en-US" dirty="0"/>
+              <a:t>有加权</a:t>
+            </a:r>
+            <a:endParaRPr lang="en-US" altLang="zh-CN" dirty="0"/>
+          </a:p>
+          <a:p>
+            <a:pPr lvl="1"/>
+            <a:endParaRPr lang="en-US" altLang="zh-CN" dirty="0"/>
+          </a:p>
+          <a:p>
+            <a:endParaRPr lang="en-US" altLang="zh-CN" b="1" dirty="0"/>
+          </a:p>
+          <a:p>
+            <a:endParaRPr lang="en-US" altLang="zh-CN" b="1" dirty="0"/>
+          </a:p>
+          <a:p>
+            <a:r>
+              <a:rPr lang="zh-CN" altLang="en-US" b="1" dirty="0"/>
+              <a:t> 稀疏感知算法（数据缺失）</a:t>
+            </a:r>
+            <a:endParaRPr lang="en-US" altLang="zh-CN" b="1" dirty="0"/>
+          </a:p>
+          <a:p>
+            <a:pPr lvl="1"/>
+            <a:r>
+              <a:rPr lang="zh-CN" altLang="en-US" dirty="0"/>
+              <a:t>构建数只考虑非缺失值</a:t>
+            </a:r>
+            <a:endParaRPr lang="en-US" altLang="zh-CN" dirty="0"/>
+          </a:p>
+          <a:p>
+            <a:pPr lvl="1"/>
+            <a:r>
+              <a:rPr lang="zh-CN" altLang="en-US" dirty="0"/>
+              <a:t>得到最优缺省方向（左右最大的增益）</a:t>
+            </a:r>
+            <a:endParaRPr lang="en-US" altLang="zh-CN" dirty="0"/>
+          </a:p>
+          <a:p>
+            <a:pPr lvl="1"/>
+            <a:r>
+              <a:rPr lang="zh-CN" altLang="en-US" dirty="0"/>
+              <a:t>算法比</a:t>
+            </a:r>
+            <a:r>
+              <a:rPr lang="en-US" altLang="zh-CN" dirty="0"/>
+              <a:t>basic</a:t>
+            </a:r>
+            <a:r>
+              <a:rPr lang="zh-CN" altLang="en-US" dirty="0"/>
+              <a:t>快</a:t>
+            </a:r>
+            <a:r>
+              <a:rPr lang="en-US" altLang="zh-CN" dirty="0"/>
+              <a:t>50</a:t>
+            </a:r>
+            <a:r>
+              <a:rPr lang="zh-CN" altLang="en-US" dirty="0"/>
+              <a:t>倍</a:t>
+            </a:r>
+            <a:endParaRPr lang="en-US" altLang="zh-CN" dirty="0"/>
+          </a:p>
+          <a:p>
+            <a:pPr lvl="1"/>
+            <a:endParaRPr lang="en-US" altLang="zh-CN" dirty="0"/>
+          </a:p>
+          <a:p>
+            <a:pPr lvl="1"/>
+            <a:endParaRPr lang="zh-CN" altLang="en-US" dirty="0"/>
+          </a:p>
+        </p:txBody>
+      </p:sp>
+      <p:pic>
+        <p:nvPicPr>
+          <p:cNvPr id="3" name="图片 2">
+            <a:extLst>
+              <a:ext uri="{FF2B5EF4-FFF2-40B4-BE49-F238E27FC236}">
+                <a16:creationId xmlns:a16="http://schemas.microsoft.com/office/drawing/2014/main" id="{3FD55DE1-1941-4EBF-AE78-36D32D147A04}"/>
+              </a:ext>
+            </a:extLst>
+          </p:cNvPr>
+          <p:cNvPicPr>
+            <a:picLocks noChangeAspect="1"/>
+          </p:cNvPicPr>
+          <p:nvPr/>
+        </p:nvPicPr>
+        <p:blipFill>
+          <a:blip r:embed="rId3"/>
+          <a:stretch>
+            <a:fillRect/>
+          </a:stretch>
+        </p:blipFill>
+        <p:spPr>
+          <a:xfrm>
+            <a:off x="5521586" y="1280200"/>
+            <a:ext cx="5951736" cy="1729890"/>
+          </a:xfrm>
+          <a:prstGeom prst="rect">
+            <a:avLst/>
+          </a:prstGeom>
+        </p:spPr>
+      </p:pic>
+      <p:pic>
+        <p:nvPicPr>
+          <p:cNvPr id="4" name="图片 3">
+            <a:extLst>
+              <a:ext uri="{FF2B5EF4-FFF2-40B4-BE49-F238E27FC236}">
+                <a16:creationId xmlns:a16="http://schemas.microsoft.com/office/drawing/2014/main" id="{2B066871-892A-4E43-9A26-B5017BA5D4CA}"/>
+              </a:ext>
+            </a:extLst>
+          </p:cNvPr>
+          <p:cNvPicPr>
+            <a:picLocks noChangeAspect="1"/>
+          </p:cNvPicPr>
+          <p:nvPr/>
+        </p:nvPicPr>
+        <p:blipFill>
+          <a:blip r:embed="rId4"/>
+          <a:stretch>
+            <a:fillRect/>
+          </a:stretch>
+        </p:blipFill>
+        <p:spPr>
+          <a:xfrm>
+            <a:off x="5521586" y="3429000"/>
+            <a:ext cx="4686706" cy="1928027"/>
+          </a:xfrm>
+          <a:prstGeom prst="rect">
+            <a:avLst/>
+          </a:prstGeom>
+        </p:spPr>
+      </p:pic>
+      <p:pic>
+        <p:nvPicPr>
+          <p:cNvPr id="6" name="图片 5">
+            <a:extLst>
+              <a:ext uri="{FF2B5EF4-FFF2-40B4-BE49-F238E27FC236}">
+                <a16:creationId xmlns:a16="http://schemas.microsoft.com/office/drawing/2014/main" id="{642498F5-F86D-4E1B-9947-096E83D03A45}"/>
+              </a:ext>
+            </a:extLst>
+          </p:cNvPr>
+          <p:cNvPicPr>
+            <a:picLocks noChangeAspect="1"/>
+          </p:cNvPicPr>
+          <p:nvPr/>
+        </p:nvPicPr>
+        <p:blipFill>
+          <a:blip r:embed="rId5"/>
+          <a:stretch>
+            <a:fillRect/>
+          </a:stretch>
+        </p:blipFill>
+        <p:spPr>
+          <a:xfrm>
+            <a:off x="5586533" y="1280200"/>
+            <a:ext cx="5959356" cy="4221846"/>
+          </a:xfrm>
+          <a:prstGeom prst="rect">
+            <a:avLst/>
+          </a:prstGeom>
+        </p:spPr>
+      </p:pic>
+    </p:spTree>
+    <p:extLst>
+      <p:ext uri="{BB962C8B-B14F-4D97-AF65-F5344CB8AC3E}">
+        <p14:creationId xmlns:p14="http://schemas.microsoft.com/office/powerpoint/2010/main" val="1314930862"/>
+      </p:ext>
+    </p:extLst>
+  </p:cSld>
+  <p:clrMapOvr>
+    <a:masterClrMapping/>
+  </p:clrMapOvr>
+  <mc:AlternateContent xmlns:mc="http://schemas.openxmlformats.org/markup-compatibility/2006">
+    <mc:Choice xmlns:p14="http://schemas.microsoft.com/office/powerpoint/2010/main" Requires="p14">
+      <p:transition p14:dur="10"/>
+    </mc:Choice>
+    <mc:Fallback>
+      <p:transition/>
+    </mc:Fallback>
+  </mc:AlternateContent>
+  <p:timing>
+    <p:tnLst>
+      <p:par>
+        <p:cTn id="1" dur="indefinite" restart="never" nodeType="tmRoot">
+          <p:childTnLst>
+            <p:seq concurrent="1" nextAc="seek">
+              <p:cTn id="2" dur="indefinite" nodeType="mainSeq">
+                <p:childTnLst>
+                  <p:par>
+                    <p:cTn id="3" fill="hold">
+                      <p:stCondLst>
+                        <p:cond delay="indefinite"/>
+                      </p:stCondLst>
+                      <p:childTnLst>
+                        <p:par>
+                          <p:cTn id="4" fill="hold">
+                            <p:stCondLst>
+                              <p:cond delay="0"/>
+                            </p:stCondLst>
+                            <p:childTnLst>
+                              <p:par>
+                                <p:cTn id="5" presetID="10" presetClass="entr" presetSubtype="0" fill="hold" nodeType="clickEffect">
+                                  <p:stCondLst>
+                                    <p:cond delay="0"/>
+                                  </p:stCondLst>
+                                  <p:childTnLst>
+                                    <p:set>
+                                      <p:cBhvr>
+                                        <p:cTn id="6" dur="1" fill="hold">
+                                          <p:stCondLst>
+                                            <p:cond delay="0"/>
+                                          </p:stCondLst>
+                                        </p:cTn>
+                                        <p:tgtEl>
+                                          <p:spTgt spid="3"/>
+                                        </p:tgtEl>
+                                        <p:attrNameLst>
+                                          <p:attrName>style.visibility</p:attrName>
+                                        </p:attrNameLst>
+                                      </p:cBhvr>
+                                      <p:to>
+                                        <p:strVal val="visible"/>
+                                      </p:to>
+                                    </p:set>
+                                    <p:animEffect transition="in" filter="fade">
+                                      <p:cBhvr>
+                                        <p:cTn id="7" dur="500"/>
+                                        <p:tgtEl>
+                                          <p:spTgt spid="3"/>
+                                        </p:tgtEl>
+                                      </p:cBhvr>
+                                    </p:animEffect>
+                                  </p:childTnLst>
+                                </p:cTn>
+                              </p:par>
+                            </p:childTnLst>
+                          </p:cTn>
+                        </p:par>
+                      </p:childTnLst>
+                    </p:cTn>
+                  </p:par>
+                  <p:par>
+                    <p:cTn id="8" fill="hold">
+                      <p:stCondLst>
+                        <p:cond delay="indefinite"/>
+                      </p:stCondLst>
+                      <p:childTnLst>
+                        <p:par>
+                          <p:cTn id="9" fill="hold">
+                            <p:stCondLst>
+                              <p:cond delay="0"/>
+                            </p:stCondLst>
+                            <p:childTnLst>
+                              <p:par>
+                                <p:cTn id="10" presetID="2" presetClass="entr" presetSubtype="4" fill="hold" nodeType="clickEffect">
+                                  <p:stCondLst>
+                                    <p:cond delay="0"/>
+                                  </p:stCondLst>
+                                  <p:childTnLst>
+                                    <p:set>
+                                      <p:cBhvr>
+                                        <p:cTn id="11" dur="1" fill="hold">
+                                          <p:stCondLst>
+                                            <p:cond delay="0"/>
+                                          </p:stCondLst>
+                                        </p:cTn>
+                                        <p:tgtEl>
+                                          <p:spTgt spid="4"/>
+                                        </p:tgtEl>
+                                        <p:attrNameLst>
+                                          <p:attrName>style.visibility</p:attrName>
+                                        </p:attrNameLst>
+                                      </p:cBhvr>
+                                      <p:to>
+                                        <p:strVal val="visible"/>
+                                      </p:to>
+                                    </p:set>
+                                    <p:anim calcmode="lin" valueType="num">
+                                      <p:cBhvr additive="base">
+                                        <p:cTn id="12" dur="500" fill="hold"/>
+                                        <p:tgtEl>
+                                          <p:spTgt spid="4"/>
+                                        </p:tgtEl>
+                                        <p:attrNameLst>
+                                          <p:attrName>ppt_x</p:attrName>
+                                        </p:attrNameLst>
+                                      </p:cBhvr>
+                                      <p:tavLst>
+                                        <p:tav tm="0">
+                                          <p:val>
+                                            <p:strVal val="#ppt_x"/>
+                                          </p:val>
+                                        </p:tav>
+                                        <p:tav tm="100000">
+                                          <p:val>
+                                            <p:strVal val="#ppt_x"/>
+                                          </p:val>
+                                        </p:tav>
+                                      </p:tavLst>
+                                    </p:anim>
+                                    <p:anim calcmode="lin" valueType="num">
+                                      <p:cBhvr additive="base">
+                                        <p:cTn id="13" dur="500" fill="hold"/>
+                                        <p:tgtEl>
+                                          <p:spTgt spid="4"/>
+                                        </p:tgtEl>
+                                        <p:attrNameLst>
+                                          <p:attrName>ppt_y</p:attrName>
+                                        </p:attrNameLst>
+                                      </p:cBhvr>
+                                      <p:tavLst>
+                                        <p:tav tm="0">
+                                          <p:val>
+                                            <p:strVal val="1+#ppt_h/2"/>
+                                          </p:val>
+                                        </p:tav>
+                                        <p:tav tm="100000">
+                                          <p:val>
+                                            <p:strVal val="#ppt_y"/>
+                                          </p:val>
+                                        </p:tav>
+                                      </p:tavLst>
+                                    </p:anim>
+                                  </p:childTnLst>
+                                </p:cTn>
+                              </p:par>
+                            </p:childTnLst>
+                          </p:cTn>
+                        </p:par>
+                      </p:childTnLst>
+                    </p:cTn>
+                  </p:par>
+                  <p:par>
+                    <p:cTn id="14" fill="hold">
+                      <p:stCondLst>
+                        <p:cond delay="indefinite"/>
+                      </p:stCondLst>
+                      <p:childTnLst>
+                        <p:par>
+                          <p:cTn id="15" fill="hold">
+                            <p:stCondLst>
+                              <p:cond delay="0"/>
+                            </p:stCondLst>
+                            <p:childTnLst>
+                              <p:par>
+                                <p:cTn id="16" presetID="2" presetClass="entr" presetSubtype="4" fill="hold" nodeType="clickEffect">
+                                  <p:stCondLst>
+                                    <p:cond delay="0"/>
+                                  </p:stCondLst>
+                                  <p:childTnLst>
+                                    <p:set>
+                                      <p:cBhvr>
+                                        <p:cTn id="17" dur="1" fill="hold">
+                                          <p:stCondLst>
+                                            <p:cond delay="0"/>
+                                          </p:stCondLst>
+                                        </p:cTn>
+                                        <p:tgtEl>
+                                          <p:spTgt spid="6"/>
+                                        </p:tgtEl>
+                                        <p:attrNameLst>
+                                          <p:attrName>style.visibility</p:attrName>
+                                        </p:attrNameLst>
+                                      </p:cBhvr>
+                                      <p:to>
+                                        <p:strVal val="visible"/>
+                                      </p:to>
+                                    </p:set>
+                                    <p:anim calcmode="lin" valueType="num">
+                                      <p:cBhvr additive="base">
+                                        <p:cTn id="18" dur="500" fill="hold"/>
+                                        <p:tgtEl>
+                                          <p:spTgt spid="6"/>
+                                        </p:tgtEl>
+                                        <p:attrNameLst>
+                                          <p:attrName>ppt_x</p:attrName>
+                                        </p:attrNameLst>
+                                      </p:cBhvr>
+                                      <p:tavLst>
+                                        <p:tav tm="0">
+                                          <p:val>
+                                            <p:strVal val="#ppt_x"/>
+                                          </p:val>
+                                        </p:tav>
+                                        <p:tav tm="100000">
+                                          <p:val>
+                                            <p:strVal val="#ppt_x"/>
+                                          </p:val>
+                                        </p:tav>
+                                      </p:tavLst>
+                                    </p:anim>
+                                    <p:anim calcmode="lin" valueType="num">
+                                      <p:cBhvr additive="base">
+                                        <p:cTn id="19" dur="500" fill="hold"/>
+                                        <p:tgtEl>
+                                          <p:spTgt spid="6"/>
+                                        </p:tgtEl>
+                                        <p:attrNameLst>
+                                          <p:attrName>ppt_y</p:attrName>
+                                        </p:attrNameLst>
+                                      </p:cBhvr>
+                                      <p:tavLst>
+                                        <p:tav tm="0">
+                                          <p:val>
+                                            <p:strVal val="1+#ppt_h/2"/>
+                                          </p:val>
+                                        </p:tav>
+                                        <p:tav tm="100000">
+                                          <p:val>
+                                            <p:strVal val="#ppt_y"/>
+                                          </p:val>
+                                        </p:tav>
+                                      </p:tavLst>
+                                    </p:anim>
+                                  </p:childTnLst>
+                                </p:cTn>
+                              </p:par>
+                            </p:childTnLst>
+                          </p:cTn>
+                        </p:par>
+                      </p:childTnLst>
+                    </p:cTn>
+                  </p:par>
+                </p:childTnLst>
+              </p:cTn>
+              <p:prevCondLst>
+                <p:cond evt="onPrev" delay="0">
+                  <p:tgtEl>
+                    <p:sldTgt/>
+                  </p:tgtEl>
+                </p:cond>
+              </p:prevCondLst>
+              <p:nextCondLst>
+                <p:cond evt="onNext" delay="0">
+                  <p:tgtEl>
+                    <p:sldTgt/>
+                  </p:tgtEl>
+                </p:cond>
+              </p:nextCondLst>
+            </p:seq>
+          </p:childTnLst>
+        </p:cTn>
+      </p:par>
+    </p:tnLst>
+  </p:timing>
+</p:sld>
+</file>
+
+<file path=ppt/slides/slide21.xml><?xml version="1.0" encoding="utf-8"?>
+<p:sld xmlns:a="http://schemas.openxmlformats.org/drawingml/2006/main" xmlns:r="http://schemas.openxmlformats.org/officeDocument/2006/relationships" xmlns:p="http://schemas.openxmlformats.org/presentationml/2006/main">
+  <p:cSld>
+    <p:spTree>
+      <p:nvGrpSpPr>
+        <p:cNvPr id="1" name=""/>
+        <p:cNvGrpSpPr/>
+        <p:nvPr/>
+      </p:nvGrpSpPr>
+      <p:grpSpPr>
+        <a:xfrm>
+          <a:off x="0" y="0"/>
+          <a:ext cx="0" cy="0"/>
+          <a:chOff x="0" y="0"/>
+          <a:chExt cx="0" cy="0"/>
+        </a:xfrm>
+      </p:grpSpPr>
+      <p:sp>
+        <p:nvSpPr>
+          <p:cNvPr id="2" name="标题 1"/>
+          <p:cNvSpPr>
+            <a:spLocks noGrp="1"/>
+          </p:cNvSpPr>
+          <p:nvPr>
+            <p:ph type="title"/>
+          </p:nvPr>
+        </p:nvSpPr>
+        <p:spPr/>
+        <p:txBody>
+          <a:bodyPr/>
+          <a:lstStyle/>
+          <a:p>
+            <a:r>
+              <a:rPr lang="en-US" altLang="zh-CN" dirty="0" err="1"/>
+              <a:t>XGBoost</a:t>
+            </a:r>
+            <a:endParaRPr lang="zh-CN" dirty="0"/>
+          </a:p>
+        </p:txBody>
+      </p:sp>
+      <p:sp>
+        <p:nvSpPr>
+          <p:cNvPr id="5" name="内容占位符 4">
+            <a:extLst>
+              <a:ext uri="{FF2B5EF4-FFF2-40B4-BE49-F238E27FC236}">
+                <a16:creationId xmlns:a16="http://schemas.microsoft.com/office/drawing/2014/main" id="{1773D36F-5738-4AC3-A95C-197BCCCFB810}"/>
+              </a:ext>
+            </a:extLst>
+          </p:cNvPr>
+          <p:cNvSpPr>
+            <a:spLocks noGrp="1"/>
+          </p:cNvSpPr>
+          <p:nvPr>
+            <p:ph idx="1"/>
+          </p:nvPr>
+        </p:nvSpPr>
+        <p:spPr>
+          <a:xfrm>
+            <a:off x="875201" y="1461790"/>
+            <a:ext cx="8946541" cy="4943492"/>
+          </a:xfrm>
+        </p:spPr>
+        <p:txBody>
+          <a:bodyPr>
+            <a:normAutofit/>
+          </a:bodyPr>
+          <a:lstStyle/>
+          <a:p>
+            <a:r>
+              <a:rPr lang="zh-CN" altLang="en-US" b="1" dirty="0"/>
+              <a:t>工程实现   </a:t>
+            </a:r>
+            <a:r>
+              <a:rPr lang="en-US" altLang="zh-CN" b="1" dirty="0"/>
+              <a:t>---</a:t>
+            </a:r>
+            <a:r>
+              <a:rPr lang="zh-CN" altLang="en-US" dirty="0"/>
+              <a:t>块结构设计</a:t>
+            </a:r>
+            <a:endParaRPr lang="en-US" altLang="zh-CN" b="1" dirty="0"/>
+          </a:p>
+          <a:p>
+            <a:pPr lvl="2"/>
+            <a:r>
+              <a:rPr lang="en-US" altLang="zh-CN" dirty="0" err="1"/>
+              <a:t>XGBoost</a:t>
+            </a:r>
+            <a:r>
+              <a:rPr lang="en-US" altLang="zh-CN" dirty="0"/>
+              <a:t> </a:t>
+            </a:r>
+            <a:r>
+              <a:rPr lang="zh-CN" altLang="en-US" dirty="0"/>
+              <a:t>在训练之前对根据特征对数据进行了排序，然后保存到块结构中，并在每个块结构中都采用了</a:t>
+            </a:r>
+            <a:r>
+              <a:rPr lang="zh-CN" altLang="en-US" b="1" dirty="0"/>
+              <a:t>稀疏矩阵</a:t>
+            </a:r>
+            <a:r>
+              <a:rPr lang="zh-CN" altLang="en-US" dirty="0"/>
+              <a:t>存储格式，后面的训练过程中会重复地使用块结构，可以大大减小计算量。</a:t>
+            </a:r>
+            <a:endParaRPr lang="en-US" altLang="zh-CN" dirty="0"/>
+          </a:p>
+          <a:p>
+            <a:pPr lvl="2"/>
+            <a:r>
+              <a:rPr lang="zh-CN" altLang="en-US" dirty="0"/>
+              <a:t>每个特征会存储指向样本梯度统计值的索引，方便计算一阶导和二阶导数值</a:t>
+            </a:r>
+            <a:endParaRPr lang="en-US" altLang="zh-CN" dirty="0"/>
+          </a:p>
+          <a:p>
+            <a:pPr lvl="2"/>
+            <a:r>
+              <a:rPr lang="zh-CN" altLang="en-US" dirty="0"/>
+              <a:t>缺失特征值将不进行排序</a:t>
+            </a:r>
+            <a:endParaRPr lang="en-US" altLang="zh-CN" dirty="0"/>
+          </a:p>
+          <a:p>
+            <a:pPr lvl="2"/>
+            <a:r>
+              <a:rPr lang="zh-CN" altLang="en-US" dirty="0"/>
+              <a:t>每一个块结构包括一个或多个已经排序好的特征</a:t>
+            </a:r>
+            <a:endParaRPr lang="en-US" altLang="zh-CN" dirty="0"/>
+          </a:p>
+          <a:p>
+            <a:pPr lvl="2"/>
+            <a:r>
+              <a:rPr lang="zh-CN" altLang="en-US" dirty="0"/>
+              <a:t>分布式或者多线程计算的原因</a:t>
+            </a:r>
+            <a:endParaRPr lang="en-US" altLang="zh-CN" dirty="0"/>
+          </a:p>
+          <a:p>
+            <a:pPr lvl="1"/>
+            <a:endParaRPr lang="en-US" altLang="zh-CN" dirty="0"/>
+          </a:p>
+          <a:p>
+            <a:pPr lvl="1"/>
+            <a:endParaRPr lang="en-US" altLang="zh-CN" dirty="0"/>
+          </a:p>
+          <a:p>
+            <a:pPr lvl="1"/>
+            <a:endParaRPr lang="en-US" altLang="zh-CN" dirty="0"/>
+          </a:p>
+          <a:p>
+            <a:pPr lvl="1"/>
+            <a:endParaRPr lang="en-US" altLang="zh-CN" dirty="0"/>
+          </a:p>
+          <a:p>
+            <a:endParaRPr lang="en-US" altLang="zh-CN" b="1" dirty="0"/>
+          </a:p>
+          <a:p>
+            <a:endParaRPr lang="en-US" altLang="zh-CN" b="1" dirty="0"/>
+          </a:p>
+          <a:p>
+            <a:endParaRPr lang="en-US" altLang="zh-CN" dirty="0"/>
+          </a:p>
+          <a:p>
+            <a:pPr lvl="1"/>
+            <a:endParaRPr lang="en-US" altLang="zh-CN" dirty="0"/>
+          </a:p>
+          <a:p>
+            <a:pPr lvl="1"/>
+            <a:endParaRPr lang="zh-CN" altLang="en-US" dirty="0"/>
+          </a:p>
+        </p:txBody>
+      </p:sp>
+      <p:pic>
+        <p:nvPicPr>
+          <p:cNvPr id="7" name="图片 6">
+            <a:extLst>
+              <a:ext uri="{FF2B5EF4-FFF2-40B4-BE49-F238E27FC236}">
+                <a16:creationId xmlns:a16="http://schemas.microsoft.com/office/drawing/2014/main" id="{86638AC5-07D1-4E07-850B-9488345425AC}"/>
+              </a:ext>
+            </a:extLst>
+          </p:cNvPr>
+          <p:cNvPicPr>
+            <a:picLocks noChangeAspect="1"/>
+          </p:cNvPicPr>
+          <p:nvPr/>
+        </p:nvPicPr>
+        <p:blipFill>
+          <a:blip r:embed="rId3"/>
+          <a:stretch>
+            <a:fillRect/>
+          </a:stretch>
+        </p:blipFill>
+        <p:spPr>
+          <a:xfrm>
+            <a:off x="1602834" y="4271193"/>
+            <a:ext cx="8333454" cy="2250033"/>
+          </a:xfrm>
+          <a:prstGeom prst="rect">
+            <a:avLst/>
+          </a:prstGeom>
+        </p:spPr>
+      </p:pic>
+    </p:spTree>
+    <p:extLst>
+      <p:ext uri="{BB962C8B-B14F-4D97-AF65-F5344CB8AC3E}">
+        <p14:creationId xmlns:p14="http://schemas.microsoft.com/office/powerpoint/2010/main" val="191159408"/>
+      </p:ext>
+    </p:extLst>
+  </p:cSld>
+  <p:clrMapOvr>
+    <a:masterClrMapping/>
+  </p:clrMapOvr>
+  <mc:AlternateContent xmlns:mc="http://schemas.openxmlformats.org/markup-compatibility/2006">
+    <mc:Choice xmlns:p14="http://schemas.microsoft.com/office/powerpoint/2010/main" Requires="p14">
+      <p:transition p14:dur="10"/>
+    </mc:Choice>
+    <mc:Fallback>
+      <p:transition/>
+    </mc:Fallback>
+  </mc:AlternateContent>
+</p:sld>
+</file>
+
+<file path=ppt/slides/slide22.xml><?xml version="1.0" encoding="utf-8"?>
+<p:sld xmlns:a="http://schemas.openxmlformats.org/drawingml/2006/main" xmlns:r="http://schemas.openxmlformats.org/officeDocument/2006/relationships" xmlns:p="http://schemas.openxmlformats.org/presentationml/2006/main">
+  <p:cSld>
+    <p:spTree>
+      <p:nvGrpSpPr>
+        <p:cNvPr id="1" name=""/>
+        <p:cNvGrpSpPr/>
+        <p:nvPr/>
+      </p:nvGrpSpPr>
+      <p:grpSpPr>
+        <a:xfrm>
+          <a:off x="0" y="0"/>
+          <a:ext cx="0" cy="0"/>
+          <a:chOff x="0" y="0"/>
+          <a:chExt cx="0" cy="0"/>
+        </a:xfrm>
+      </p:grpSpPr>
+      <p:sp>
+        <p:nvSpPr>
+          <p:cNvPr id="2" name="标题 1"/>
+          <p:cNvSpPr>
+            <a:spLocks noGrp="1"/>
+          </p:cNvSpPr>
+          <p:nvPr>
+            <p:ph type="title"/>
+          </p:nvPr>
+        </p:nvSpPr>
+        <p:spPr/>
+        <p:txBody>
+          <a:bodyPr/>
+          <a:lstStyle/>
+          <a:p>
+            <a:r>
+              <a:rPr lang="en-US" altLang="zh-CN" dirty="0" err="1"/>
+              <a:t>XGBoost</a:t>
+            </a:r>
+            <a:endParaRPr lang="zh-CN" dirty="0"/>
+          </a:p>
+        </p:txBody>
+      </p:sp>
+      <p:sp>
+        <p:nvSpPr>
+          <p:cNvPr id="5" name="内容占位符 4">
+            <a:extLst>
+              <a:ext uri="{FF2B5EF4-FFF2-40B4-BE49-F238E27FC236}">
+                <a16:creationId xmlns:a16="http://schemas.microsoft.com/office/drawing/2014/main" id="{1773D36F-5738-4AC3-A95C-197BCCCFB810}"/>
+              </a:ext>
+            </a:extLst>
+          </p:cNvPr>
+          <p:cNvSpPr>
+            <a:spLocks noGrp="1"/>
+          </p:cNvSpPr>
+          <p:nvPr>
+            <p:ph idx="1"/>
+          </p:nvPr>
+        </p:nvSpPr>
+        <p:spPr>
+          <a:xfrm>
+            <a:off x="875201" y="1461790"/>
+            <a:ext cx="8946541" cy="4943492"/>
+          </a:xfrm>
+        </p:spPr>
+        <p:txBody>
+          <a:bodyPr>
+            <a:normAutofit/>
+          </a:bodyPr>
+          <a:lstStyle/>
+          <a:p>
+            <a:r>
+              <a:rPr lang="zh-CN" altLang="en-US" b="1" dirty="0"/>
+              <a:t>工程实现</a:t>
+            </a:r>
+            <a:endParaRPr lang="en-US" altLang="zh-CN" b="1" dirty="0"/>
+          </a:p>
+          <a:p>
+            <a:pPr lvl="1"/>
+            <a:r>
+              <a:rPr lang="zh-CN" altLang="en-US" b="1" dirty="0"/>
+              <a:t>缓存访问优化算法</a:t>
+            </a:r>
+            <a:endParaRPr lang="en-US" altLang="zh-CN" b="1" dirty="0"/>
+          </a:p>
+          <a:p>
+            <a:pPr lvl="2"/>
+            <a:r>
+              <a:rPr lang="zh-CN" altLang="en-US" dirty="0"/>
+              <a:t>特征值通过索引访问样本梯度统计值的设计会导致访问操作的内存空间不连续，这样会造成缓存命中率低，从而影响到算法的效率</a:t>
+            </a:r>
+            <a:endParaRPr lang="en-US" altLang="zh-CN" dirty="0"/>
+          </a:p>
+          <a:p>
+            <a:pPr lvl="2"/>
+            <a:r>
+              <a:rPr lang="zh-CN" altLang="en-US" dirty="0"/>
+              <a:t>为每个线程分配一个连续的缓存区，将需要的梯度信息存放在缓冲区中，这样就是实现了非连续空间到连续空间的转换，提高了算法效率。</a:t>
+            </a:r>
+            <a:endParaRPr lang="en-US" altLang="zh-CN" dirty="0"/>
+          </a:p>
+          <a:p>
+            <a:pPr lvl="1"/>
+            <a:r>
+              <a:rPr lang="zh-CN" altLang="en-US" b="1" dirty="0"/>
+              <a:t>“核外”块计算</a:t>
+            </a:r>
+            <a:endParaRPr lang="en-US" altLang="zh-CN" b="1" dirty="0"/>
+          </a:p>
+          <a:p>
+            <a:pPr lvl="2"/>
+            <a:r>
+              <a:rPr lang="zh-CN" altLang="en-US" dirty="0"/>
+              <a:t>硬盘和内存读写速度不一致导致性能瓶颈</a:t>
+            </a:r>
+            <a:endParaRPr lang="en-US" altLang="zh-CN" dirty="0"/>
+          </a:p>
+          <a:p>
+            <a:pPr lvl="2"/>
+            <a:r>
+              <a:rPr lang="zh-CN" altLang="en-US" dirty="0"/>
+              <a:t>独立一个线程进行硬盘读取，实现数据读取和数据处理同时进行</a:t>
+            </a:r>
+            <a:endParaRPr lang="en-US" altLang="zh-CN" dirty="0"/>
+          </a:p>
+          <a:p>
+            <a:pPr lvl="2"/>
+            <a:r>
+              <a:rPr lang="zh-CN" altLang="en-US" dirty="0"/>
+              <a:t>为了降低硬盘读写开销</a:t>
+            </a:r>
+            <a:endParaRPr lang="en-US" altLang="zh-CN" dirty="0"/>
+          </a:p>
+          <a:p>
+            <a:pPr lvl="3"/>
+            <a:r>
+              <a:rPr lang="zh-CN" altLang="en-US" dirty="0"/>
+              <a:t>块压缩：对</a:t>
+            </a:r>
+            <a:r>
+              <a:rPr lang="en-US" altLang="zh-CN" dirty="0"/>
+              <a:t>block</a:t>
+            </a:r>
+            <a:r>
+              <a:rPr lang="zh-CN" altLang="en-US" dirty="0"/>
+              <a:t>按列压缩，读取时进行解压</a:t>
+            </a:r>
+            <a:endParaRPr lang="en-US" altLang="zh-CN" dirty="0"/>
+          </a:p>
+          <a:p>
+            <a:pPr lvl="3"/>
+            <a:r>
+              <a:rPr lang="zh-CN" altLang="en-US" dirty="0"/>
+              <a:t>块拆分：把每个块储存到不同硬盘中，从多个硬盘中读取增加吞吐量</a:t>
+            </a:r>
+            <a:endParaRPr lang="en-US" altLang="zh-CN" dirty="0"/>
+          </a:p>
+          <a:p>
+            <a:pPr lvl="1"/>
+            <a:endParaRPr lang="en-US" altLang="zh-CN" dirty="0"/>
+          </a:p>
+          <a:p>
+            <a:pPr lvl="1"/>
+            <a:endParaRPr lang="en-US" altLang="zh-CN" dirty="0"/>
+          </a:p>
+          <a:p>
+            <a:pPr lvl="1"/>
+            <a:endParaRPr lang="en-US" altLang="zh-CN" dirty="0"/>
+          </a:p>
+          <a:p>
+            <a:endParaRPr lang="en-US" altLang="zh-CN" b="1" dirty="0"/>
+          </a:p>
+          <a:p>
+            <a:endParaRPr lang="en-US" altLang="zh-CN" b="1" dirty="0"/>
+          </a:p>
+          <a:p>
+            <a:endParaRPr lang="en-US" altLang="zh-CN" dirty="0"/>
+          </a:p>
+          <a:p>
+            <a:pPr lvl="1"/>
+            <a:endParaRPr lang="en-US" altLang="zh-CN" dirty="0"/>
+          </a:p>
+          <a:p>
+            <a:pPr lvl="1"/>
+            <a:endParaRPr lang="zh-CN" altLang="en-US" dirty="0"/>
+          </a:p>
+        </p:txBody>
+      </p:sp>
+    </p:spTree>
+    <p:extLst>
+      <p:ext uri="{BB962C8B-B14F-4D97-AF65-F5344CB8AC3E}">
+        <p14:creationId xmlns:p14="http://schemas.microsoft.com/office/powerpoint/2010/main" val="2323135499"/>
+      </p:ext>
+    </p:extLst>
+  </p:cSld>
+  <p:clrMapOvr>
+    <a:masterClrMapping/>
+  </p:clrMapOvr>
+  <mc:AlternateContent xmlns:mc="http://schemas.openxmlformats.org/markup-compatibility/2006">
+    <mc:Choice xmlns:p14="http://schemas.microsoft.com/office/powerpoint/2010/main" Requires="p14">
+      <p:transition p14:dur="10"/>
+    </mc:Choice>
+    <mc:Fallback>
+      <p:transition/>
+    </mc:Fallback>
+  </mc:AlternateContent>
+</p:sld>
+</file>
+
+<file path=ppt/slides/slide23.xml><?xml version="1.0" encoding="utf-8"?>
+<p:sld xmlns:a="http://schemas.openxmlformats.org/drawingml/2006/main" xmlns:r="http://schemas.openxmlformats.org/officeDocument/2006/relationships" xmlns:p="http://schemas.openxmlformats.org/presentationml/2006/main">
+  <p:cSld>
+    <p:spTree>
+      <p:nvGrpSpPr>
+        <p:cNvPr id="1" name=""/>
+        <p:cNvGrpSpPr/>
+        <p:nvPr/>
+      </p:nvGrpSpPr>
+      <p:grpSpPr>
+        <a:xfrm>
+          <a:off x="0" y="0"/>
+          <a:ext cx="0" cy="0"/>
+          <a:chOff x="0" y="0"/>
+          <a:chExt cx="0" cy="0"/>
+        </a:xfrm>
+      </p:grpSpPr>
+      <p:sp>
+        <p:nvSpPr>
+          <p:cNvPr id="2" name="标题 1"/>
+          <p:cNvSpPr>
+            <a:spLocks noGrp="1"/>
+          </p:cNvSpPr>
+          <p:nvPr>
+            <p:ph type="title"/>
+          </p:nvPr>
+        </p:nvSpPr>
+        <p:spPr/>
+        <p:txBody>
+          <a:bodyPr/>
+          <a:lstStyle/>
+          <a:p>
+            <a:r>
+              <a:rPr lang="zh-CN"/>
+              <a:t>考核标准</a:t>
+            </a:r>
+          </a:p>
+        </p:txBody>
+      </p:sp>
+      <p:sp>
+        <p:nvSpPr>
+          <p:cNvPr id="3" name="内容占位符 2"/>
+          <p:cNvSpPr>
+            <a:spLocks noGrp="1"/>
+          </p:cNvSpPr>
+          <p:nvPr>
+            <p:ph sz="half" idx="1"/>
+          </p:nvPr>
+        </p:nvSpPr>
+        <p:spPr/>
+        <p:txBody>
+          <a:bodyPr/>
+          <a:lstStyle/>
+          <a:p>
+            <a:pPr lvl="1"/>
+            <a:r>
+              <a:rPr lang="zh-CN" altLang="en-US" dirty="0"/>
+              <a:t>缓存访问优化算法</a:t>
+            </a:r>
+            <a:endParaRPr lang="en-US" altLang="zh-CN" dirty="0"/>
+          </a:p>
+          <a:p>
+            <a:pPr lvl="1"/>
+            <a:r>
+              <a:rPr lang="zh-CN" altLang="en-US" dirty="0"/>
+              <a:t>“核外”块计算</a:t>
+            </a:r>
+            <a:endParaRPr lang="en-US" altLang="zh-CN" dirty="0"/>
+          </a:p>
+          <a:p>
+            <a:r>
+              <a:rPr lang="zh-CN" dirty="0"/>
+              <a:t>周作业</a:t>
+            </a:r>
+          </a:p>
+          <a:p>
+            <a:r>
+              <a:rPr lang="zh-CN" dirty="0"/>
+              <a:t>项目</a:t>
+            </a:r>
+          </a:p>
+          <a:p>
+            <a:r>
+              <a:rPr lang="zh-CN" dirty="0"/>
+              <a:t>测验</a:t>
+            </a:r>
+          </a:p>
+          <a:p>
+            <a:r>
+              <a:rPr lang="zh-CN" dirty="0"/>
+              <a:t>期末考试</a:t>
+            </a:r>
+          </a:p>
+          <a:p>
+            <a:endParaRPr lang="zh-CN" dirty="0"/>
+          </a:p>
+        </p:txBody>
+      </p:sp>
+      <p:graphicFrame>
+        <p:nvGraphicFramePr>
+          <p:cNvPr id="9" name="内容占位符 8"/>
+          <p:cNvGraphicFramePr>
+            <a:graphicFrameLocks noGrp="1"/>
+          </p:cNvGraphicFramePr>
+          <p:nvPr>
+            <p:ph sz="half" idx="2"/>
+            <p:extLst>
+              <p:ext uri="{D42A27DB-BD31-4B8C-83A1-F6EECF244321}">
+                <p14:modId xmlns:p14="http://schemas.microsoft.com/office/powerpoint/2010/main" val="1389780192"/>
+              </p:ext>
+            </p:extLst>
+          </p:nvPr>
+        </p:nvGraphicFramePr>
+        <p:xfrm>
+          <a:off x="5654675" y="2055813"/>
+          <a:ext cx="4395788" cy="4200525"/>
+        </p:xfrm>
+        <a:graphic>
+          <a:graphicData uri="http://schemas.openxmlformats.org/drawingml/2006/chart">
+            <c:chart xmlns:c="http://schemas.openxmlformats.org/drawingml/2006/chart" xmlns:r="http://schemas.openxmlformats.org/officeDocument/2006/relationships" r:id="rId2"/>
+          </a:graphicData>
+        </a:graphic>
+      </p:graphicFrame>
+    </p:spTree>
+    <p:extLst>
+      <p:ext uri="{BB962C8B-B14F-4D97-AF65-F5344CB8AC3E}">
+        <p14:creationId xmlns:p14="http://schemas.microsoft.com/office/powerpoint/2010/main" val="11674896"/>
+      </p:ext>
+    </p:extLst>
+  </p:cSld>
+  <p:clrMapOvr>
+    <a:masterClrMapping/>
+  </p:clrMapOvr>
+</p:sld>
+</file>
+
+<file path=ppt/slides/slide24.xml><?xml version="1.0" encoding="utf-8"?>
+<p:sld xmlns:a="http://schemas.openxmlformats.org/drawingml/2006/main" xmlns:r="http://schemas.openxmlformats.org/officeDocument/2006/relationships" xmlns:p="http://schemas.openxmlformats.org/presentationml/2006/main">
+  <p:cSld>
+    <p:spTree>
+      <p:nvGrpSpPr>
+        <p:cNvPr id="1" name=""/>
+        <p:cNvGrpSpPr/>
+        <p:nvPr/>
+      </p:nvGrpSpPr>
+      <p:grpSpPr>
+        <a:xfrm>
+          <a:off x="0" y="0"/>
+          <a:ext cx="0" cy="0"/>
+          <a:chOff x="0" y="0"/>
+          <a:chExt cx="0" cy="0"/>
+        </a:xfrm>
+      </p:grpSpPr>
+      <p:sp>
+        <p:nvSpPr>
+          <p:cNvPr id="2" name="标题 1"/>
+          <p:cNvSpPr>
+            <a:spLocks noGrp="1"/>
+          </p:cNvSpPr>
+          <p:nvPr>
+            <p:ph type="title"/>
+          </p:nvPr>
+        </p:nvSpPr>
+        <p:spPr/>
+        <p:txBody>
+          <a:bodyPr/>
+          <a:lstStyle/>
+          <a:p>
+            <a:r>
               <a:rPr lang="zh-CN"/>
               <a:t>资源</a:t>
             </a:r>
@@ -16734,7 +18394,7 @@
 </p:sld>
 </file>
 
-<file path=ppt/slides/slide21.xml><?xml version="1.0" encoding="utf-8"?>
+<file path=ppt/slides/slide25.xml><?xml version="1.0" encoding="utf-8"?>
 <p:sld xmlns:a="http://schemas.openxmlformats.org/drawingml/2006/main" xmlns:r="http://schemas.openxmlformats.org/officeDocument/2006/relationships" xmlns:p="http://schemas.openxmlformats.org/presentationml/2006/main">
   <p:cSld>
     <p:spTree>
@@ -16811,7 +18471,7 @@
 </p:sld>
 </file>
 
-<file path=ppt/slides/slide22.xml><?xml version="1.0" encoding="utf-8"?>
+<file path=ppt/slides/slide26.xml><?xml version="1.0" encoding="utf-8"?>
 <p:sld xmlns:a="http://schemas.openxmlformats.org/drawingml/2006/main" xmlns:r="http://schemas.openxmlformats.org/officeDocument/2006/relationships" xmlns:p="http://schemas.openxmlformats.org/presentationml/2006/main">
   <p:cSld>
     <p:spTree>
@@ -18068,7 +19728,7 @@
             </a:r>
             <a:r>
               <a:rPr lang="zh-CN" altLang="en-US" dirty="0"/>
-              <a:t>没有剪枝策略，容易过拟合；</a:t>
+              <a:t>没有剪枝策略，容易过拟合</a:t>
             </a:r>
           </a:p>
           <a:p>
@@ -18085,10 +19745,7 @@
               <a:rPr lang="en-US" altLang="zh-CN" dirty="0"/>
               <a:t>1</a:t>
             </a:r>
-            <a:r>
-              <a:rPr lang="zh-CN" altLang="en-US" dirty="0"/>
-              <a:t>；</a:t>
-            </a:r>
+            <a:endParaRPr lang="zh-CN" altLang="en-US" dirty="0"/>
           </a:p>
           <a:p>
             <a:pPr>
@@ -18098,7 +19755,7 @@
             </a:pPr>
             <a:r>
               <a:rPr lang="zh-CN" altLang="en-US" dirty="0"/>
-              <a:t>只能用于处理离散分布的特征；</a:t>
+              <a:t>只能用于处理离散分布的特征</a:t>
             </a:r>
           </a:p>
           <a:p>
@@ -18109,7 +19766,7 @@
             </a:pPr>
             <a:r>
               <a:rPr lang="zh-CN" altLang="en-US" dirty="0"/>
-              <a:t>没有考虑缺失值。</a:t>
+              <a:t>没有考虑缺失值</a:t>
             </a:r>
           </a:p>
           <a:p>
@@ -18260,50 +19917,58 @@
           </a:p>
           <a:p>
             <a:r>
+              <a:rPr lang="zh-CN" altLang="en-US" b="1" dirty="0"/>
+              <a:t>连续特征离散化</a:t>
+            </a:r>
+            <a:r>
               <a:rPr lang="zh-CN" altLang="en-US" dirty="0"/>
-              <a:t>连续特征离散化：假设 </a:t>
-            </a:r>
-            <a:r>
-              <a:rPr lang="en-US" altLang="zh-CN" dirty="0"/>
+              <a:t>：</a:t>
+            </a:r>
+            <a:r>
+              <a:rPr lang="zh-CN" altLang="en-US" sz="1800" dirty="0"/>
+              <a:t>假设 </a:t>
+            </a:r>
+            <a:r>
+              <a:rPr lang="en-US" altLang="zh-CN" sz="1800" dirty="0"/>
               <a:t>n </a:t>
             </a:r>
             <a:r>
-              <a:rPr lang="zh-CN" altLang="en-US" dirty="0"/>
+              <a:rPr lang="zh-CN" altLang="en-US" sz="1800" dirty="0"/>
               <a:t>个样本的连续特征 </a:t>
             </a:r>
             <a:r>
-              <a:rPr lang="en-US" altLang="zh-CN" dirty="0"/>
+              <a:rPr lang="en-US" altLang="zh-CN" sz="1800" dirty="0"/>
               <a:t>A </a:t>
             </a:r>
             <a:r>
-              <a:rPr lang="zh-CN" altLang="en-US" dirty="0"/>
+              <a:rPr lang="zh-CN" altLang="en-US" sz="1800" dirty="0"/>
               <a:t>有 </a:t>
             </a:r>
             <a:r>
-              <a:rPr lang="en-US" altLang="zh-CN" dirty="0"/>
+              <a:rPr lang="en-US" altLang="zh-CN" sz="1800" dirty="0"/>
               <a:t>m </a:t>
             </a:r>
             <a:r>
-              <a:rPr lang="zh-CN" altLang="en-US" dirty="0"/>
+              <a:rPr lang="zh-CN" altLang="en-US" sz="1800" dirty="0"/>
               <a:t>个取值，</a:t>
             </a:r>
             <a:r>
-              <a:rPr lang="en-US" altLang="zh-CN" dirty="0"/>
+              <a:rPr lang="en-US" altLang="zh-CN" sz="1800" dirty="0"/>
               <a:t>C4.5 </a:t>
             </a:r>
             <a:r>
-              <a:rPr lang="zh-CN" altLang="en-US" dirty="0"/>
+              <a:rPr lang="zh-CN" altLang="en-US" sz="1800" dirty="0"/>
               <a:t>将其排序并取相邻两样本值的平均数共 </a:t>
             </a:r>
             <a:r>
-              <a:rPr lang="en-US" altLang="zh-CN" dirty="0"/>
+              <a:rPr lang="en-US" altLang="zh-CN" sz="1800" dirty="0"/>
               <a:t>m-1 </a:t>
             </a:r>
             <a:r>
-              <a:rPr lang="zh-CN" altLang="en-US" dirty="0"/>
-              <a:t>个划分点，分别计算以该划分点作为二元分类点时的信息增益，并选择信息增益最大的点作为该连续特征的二元离散分类点；</a:t>
-            </a:r>
-            <a:endParaRPr lang="en-US" altLang="zh-CN" dirty="0"/>
+              <a:rPr lang="zh-CN" altLang="en-US" sz="1800" dirty="0"/>
+              <a:t>个划分点，分别计算以该划分点作为二元分类点时的信息增益，并选择信息增益最大的点作为该连续特征的二元离散分类点</a:t>
+            </a:r>
+            <a:endParaRPr lang="en-US" altLang="zh-CN" sz="1800" dirty="0"/>
           </a:p>
           <a:p>
             <a:r>
@@ -18487,7 +20152,7 @@
             </a:r>
             <a:r>
               <a:rPr lang="zh-CN" altLang="en-US" dirty="0"/>
-              <a:t>用的是多叉树，用二叉树效率更高；</a:t>
+              <a:t>用的是多叉树，用二叉树效率更高</a:t>
             </a:r>
           </a:p>
           <a:p>
@@ -18502,7 +20167,7 @@
             </a:r>
             <a:r>
               <a:rPr lang="zh-CN" altLang="en-US" dirty="0"/>
-              <a:t>只能用于分类；</a:t>
+              <a:t>只能用于分类</a:t>
             </a:r>
           </a:p>
           <a:p>
@@ -18517,7 +20182,7 @@
             </a:r>
             <a:r>
               <a:rPr lang="zh-CN" altLang="en-US" dirty="0"/>
-              <a:t>使用的熵模型拥有大量耗时的对数运算，连续值还有排序运算；</a:t>
+              <a:t>使用的熵模型拥有大量耗时的对数运算，连续值还有排序运算</a:t>
             </a:r>
           </a:p>
           <a:p>
@@ -18532,7 +20197,7 @@
             </a:r>
             <a:r>
               <a:rPr lang="zh-CN" altLang="en-US" dirty="0"/>
-              <a:t>在构造树的过程中，对数值属性值需要按照其大小进行排序，从中选择一个分割点，所以只适合于能够驻留于内存的数据集，当训练集大得无法在内存容纳时，程序无法运行。</a:t>
+              <a:t>在构造树的过程中，对数值属性值需要按照其大小进行排序，从中选择一个分割点，所以只适合于能够驻留于内存的数据集，当训练集大得无法在内存容纳时，程序无法运行</a:t>
             </a:r>
           </a:p>
           <a:p>
